--- a/流程与堆栈.pptx
+++ b/流程与堆栈.pptx
@@ -4422,15 +4422,7 @@
                   <a:schemeClr val="tx1"/>
                 </a:solidFill>
               </a:rPr>
-              <a:t>MyPost</a:t>
-            </a:r>
-            <a:r>
-              <a:rPr lang="en-US" altLang="zh-CN" dirty="0" err="1" smtClean="0">
-                <a:solidFill>
-                  <a:schemeClr val="tx1"/>
-                </a:solidFill>
-              </a:rPr>
-              <a:t>ListFragment</a:t>
+              <a:t>MyPostListFragment</a:t>
             </a:r>
             <a:endParaRPr lang="zh-CN" altLang="zh-CN" dirty="0">
               <a:solidFill>
@@ -4655,15 +4647,7 @@
                   <a:schemeClr val="tx1"/>
                 </a:solidFill>
               </a:rPr>
-              <a:t>Result</a:t>
-            </a:r>
-            <a:r>
-              <a:rPr lang="en-US" altLang="zh-CN" dirty="0" err="1" smtClean="0">
-                <a:solidFill>
-                  <a:schemeClr val="tx1"/>
-                </a:solidFill>
-              </a:rPr>
-              <a:t>ListFragment</a:t>
+              <a:t>ResultListFragment</a:t>
             </a:r>
             <a:endParaRPr lang="zh-CN" altLang="zh-CN" dirty="0">
               <a:solidFill>
@@ -5175,15 +5159,7 @@
                   <a:schemeClr val="tx1"/>
                 </a:solidFill>
               </a:rPr>
-              <a:t>MyPost</a:t>
-            </a:r>
-            <a:r>
-              <a:rPr lang="en-US" altLang="zh-CN" dirty="0" err="1" smtClean="0">
-                <a:solidFill>
-                  <a:schemeClr val="tx1"/>
-                </a:solidFill>
-              </a:rPr>
-              <a:t>ListFragment</a:t>
+              <a:t>MyPostListFragment</a:t>
             </a:r>
             <a:endParaRPr lang="zh-CN" altLang="zh-CN" dirty="0">
               <a:solidFill>
@@ -5857,15 +5833,7 @@
                   <a:schemeClr val="tx1"/>
                 </a:solidFill>
               </a:rPr>
-              <a:t>Result</a:t>
-            </a:r>
-            <a:r>
-              <a:rPr lang="en-US" altLang="zh-CN" dirty="0" err="1" smtClean="0">
-                <a:solidFill>
-                  <a:schemeClr val="tx1"/>
-                </a:solidFill>
-              </a:rPr>
-              <a:t>ListFragment</a:t>
+              <a:t>ResultListFragment</a:t>
             </a:r>
             <a:endParaRPr lang="zh-CN" altLang="zh-CN" dirty="0">
               <a:solidFill>
@@ -6121,15 +6089,7 @@
                   <a:schemeClr val="tx1"/>
                 </a:solidFill>
               </a:rPr>
-              <a:t>Result</a:t>
-            </a:r>
-            <a:r>
-              <a:rPr lang="en-US" altLang="zh-CN" dirty="0" err="1" smtClean="0">
-                <a:solidFill>
-                  <a:schemeClr val="tx1"/>
-                </a:solidFill>
-              </a:rPr>
-              <a:t>ListFragment</a:t>
+              <a:t>ResultListFragment</a:t>
             </a:r>
             <a:endParaRPr lang="zh-CN" altLang="zh-CN" dirty="0">
               <a:solidFill>
@@ -6282,15 +6242,7 @@
                   <a:schemeClr val="tx1"/>
                 </a:solidFill>
               </a:rPr>
-              <a:t>Result</a:t>
-            </a:r>
-            <a:r>
-              <a:rPr lang="en-US" altLang="zh-CN" dirty="0" err="1" smtClean="0">
-                <a:solidFill>
-                  <a:schemeClr val="tx1"/>
-                </a:solidFill>
-              </a:rPr>
-              <a:t>ListFragment</a:t>
+              <a:t>ResultListFragment</a:t>
             </a:r>
             <a:endParaRPr lang="zh-CN" altLang="zh-CN" dirty="0">
               <a:solidFill>
